--- a/Slides/Lesson 1.5 Finishing the Data Design Recipe.pptx
+++ b/Slides/Lesson 1.5 Finishing the Data Design Recipe.pptx
@@ -5,7 +5,7 @@
     <p:sldMasterId id="2147483648" r:id="rId1"/>
   </p:sldMasterIdLst>
   <p:notesMasterIdLst>
-    <p:notesMasterId r:id="rId10"/>
+    <p:notesMasterId r:id="rId11"/>
   </p:notesMasterIdLst>
   <p:sldIdLst>
     <p:sldId id="382" r:id="rId2"/>
@@ -16,6 +16,7 @@
     <p:sldId id="375" r:id="rId7"/>
     <p:sldId id="376" r:id="rId8"/>
     <p:sldId id="377" r:id="rId9"/>
+    <p:sldId id="384" r:id="rId10"/>
   </p:sldIdLst>
   <p:sldSz cx="9144000" cy="6858000" type="screen4x3"/>
   <p:notesSz cx="6858000" cy="9144000"/>
@@ -127,6 +128,7 @@
             <p14:sldId id="375"/>
             <p14:sldId id="376"/>
             <p14:sldId id="377"/>
+            <p14:sldId id="384"/>
           </p14:sldIdLst>
         </p14:section>
       </p14:sectionLst>
@@ -232,7 +234,7 @@
             <a:fld id="{E3057DDA-BF5C-4879-9957-16E91151DE1E}" type="datetimeFigureOut">
               <a:rPr lang="en-US" smtClean="0"/>
               <a:pPr/>
-              <a:t>8/13/2014</a:t>
+              <a:t>8/3/2015</a:t>
             </a:fld>
             <a:endParaRPr lang="en-US"/>
           </a:p>
@@ -945,7 +947,7 @@
           <a:p>
             <a:fld id="{768B3A28-1884-497D-94C5-27227826CE2C}" type="datetime1">
               <a:rPr lang="en-US" smtClean="0"/>
-              <a:t>8/13/2014</a:t>
+              <a:t>8/3/2015</a:t>
             </a:fld>
             <a:endParaRPr lang="en-US"/>
           </a:p>
@@ -1222,7 +1224,7 @@
           <a:p>
             <a:fld id="{B8262C03-9B91-44B2-B7D5-2A844E6680F8}" type="datetime1">
               <a:rPr lang="en-US" smtClean="0"/>
-              <a:t>8/13/2014</a:t>
+              <a:t>8/3/2015</a:t>
             </a:fld>
             <a:endParaRPr lang="en-US"/>
           </a:p>
@@ -1409,7 +1411,7 @@
           <a:p>
             <a:fld id="{B11DCD3A-F44B-4ECF-B365-54BE99BB4BEA}" type="datetime1">
               <a:rPr lang="en-US" smtClean="0"/>
-              <a:t>8/13/2014</a:t>
+              <a:t>8/3/2015</a:t>
             </a:fld>
             <a:endParaRPr lang="en-US"/>
           </a:p>
@@ -1606,7 +1608,7 @@
           <a:p>
             <a:fld id="{94377941-97D9-4840-A51B-C8DAEDA2815C}" type="datetime1">
               <a:rPr lang="en-US" smtClean="0"/>
-              <a:t>8/13/2014</a:t>
+              <a:t>8/3/2015</a:t>
             </a:fld>
             <a:endParaRPr lang="en-US"/>
           </a:p>
@@ -1711,6 +1713,18 @@
           </p:nvPr>
         </p:nvSpPr>
         <p:spPr/>
+        <p:style>
+          <a:lnRef idx="2">
+            <a:schemeClr val="accent1"/>
+          </a:lnRef>
+          <a:fillRef idx="1">
+            <a:schemeClr val="lt1"/>
+          </a:fillRef>
+          <a:effectRef idx="0">
+            <a:schemeClr val="accent1"/>
+          </a:effectRef>
+          <a:fontRef idx="none"/>
+        </p:style>
         <p:txBody>
           <a:bodyPr/>
           <a:lstStyle/>
@@ -1800,7 +1814,7 @@
           <a:p>
             <a:fld id="{AB7F5B1C-135C-4619-A2DE-25131AF5278A}" type="datetime1">
               <a:rPr lang="en-US" smtClean="0"/>
-              <a:t>8/13/2014</a:t>
+              <a:t>8/3/2015</a:t>
             </a:fld>
             <a:endParaRPr lang="en-US"/>
           </a:p>
@@ -2002,7 +2016,7 @@
           <a:p>
             <a:fld id="{29517BA8-26BA-4B7C-A41A-804B81F83A36}" type="datetime1">
               <a:rPr lang="en-US" smtClean="0"/>
-              <a:t>8/13/2014</a:t>
+              <a:t>8/3/2015</a:t>
             </a:fld>
             <a:endParaRPr lang="en-US"/>
           </a:p>
@@ -2272,7 +2286,7 @@
           <a:p>
             <a:fld id="{E54FABC5-F62F-49DD-A24E-5C2CE15A3D87}" type="datetime1">
               <a:rPr lang="en-US" smtClean="0"/>
-              <a:t>8/13/2014</a:t>
+              <a:t>8/3/2015</a:t>
             </a:fld>
             <a:endParaRPr lang="en-US"/>
           </a:p>
@@ -2584,7 +2598,7 @@
           <a:p>
             <a:fld id="{510AAC56-4986-4B63-9F74-D47EE64ADD9E}" type="datetime1">
               <a:rPr lang="en-US" smtClean="0"/>
-              <a:t>8/13/2014</a:t>
+              <a:t>8/3/2015</a:t>
             </a:fld>
             <a:endParaRPr lang="en-US"/>
           </a:p>
@@ -3030,7 +3044,7 @@
           <a:p>
             <a:fld id="{FCC14660-E407-48B8-9CF0-DD79C3F69AD0}" type="datetime1">
               <a:rPr lang="en-US" smtClean="0"/>
-              <a:t>8/13/2014</a:t>
+              <a:t>8/3/2015</a:t>
             </a:fld>
             <a:endParaRPr lang="en-US"/>
           </a:p>
@@ -3172,7 +3186,7 @@
           <a:p>
             <a:fld id="{9B0DE907-AEDA-4EE9-869A-B21DA6DC498D}" type="datetime1">
               <a:rPr lang="en-US" smtClean="0"/>
-              <a:t>8/13/2014</a:t>
+              <a:t>8/3/2015</a:t>
             </a:fld>
             <a:endParaRPr lang="en-US"/>
           </a:p>
@@ -3284,7 +3298,7 @@
           <a:p>
             <a:fld id="{38C540BA-3DB2-4124-8990-4661E7113E01}" type="datetime1">
               <a:rPr lang="en-US" smtClean="0"/>
-              <a:t>8/13/2014</a:t>
+              <a:t>8/3/2015</a:t>
             </a:fld>
             <a:endParaRPr lang="en-US"/>
           </a:p>
@@ -3578,7 +3592,7 @@
           <a:p>
             <a:fld id="{90F6EF63-9AC7-45BB-B551-A0640428FFFB}" type="datetime1">
               <a:rPr lang="en-US" smtClean="0"/>
-              <a:t>8/13/2014</a:t>
+              <a:t>8/3/2015</a:t>
             </a:fld>
             <a:endParaRPr lang="en-US"/>
           </a:p>
@@ -5391,6 +5405,122 @@
     <p:extLst>
       <p:ext uri="{BB962C8B-B14F-4D97-AF65-F5344CB8AC3E}">
         <p14:creationId xmlns:p14="http://schemas.microsoft.com/office/powerpoint/2010/main" val="1140780645"/>
+      </p:ext>
+    </p:extLst>
+  </p:cSld>
+  <p:clrMapOvr>
+    <a:masterClrMapping/>
+  </p:clrMapOvr>
+  <p:timing>
+    <p:tnLst>
+      <p:par>
+        <p:cTn id="1" dur="indefinite" restart="never" nodeType="tmRoot"/>
+      </p:par>
+    </p:tnLst>
+  </p:timing>
+</p:sld>
+</file>
+
+<file path=ppt/slides/slide9.xml><?xml version="1.0" encoding="utf-8"?>
+<p:sld xmlns:a="http://schemas.openxmlformats.org/drawingml/2006/main" xmlns:r="http://schemas.openxmlformats.org/officeDocument/2006/relationships" xmlns:p="http://schemas.openxmlformats.org/presentationml/2006/main">
+  <p:cSld>
+    <p:spTree>
+      <p:nvGrpSpPr>
+        <p:cNvPr id="1" name=""/>
+        <p:cNvGrpSpPr/>
+        <p:nvPr/>
+      </p:nvGrpSpPr>
+      <p:grpSpPr>
+        <a:xfrm>
+          <a:off x="0" y="0"/>
+          <a:ext cx="0" cy="0"/>
+          <a:chOff x="0" y="0"/>
+          <a:chExt cx="0" cy="0"/>
+        </a:xfrm>
+      </p:grpSpPr>
+      <p:sp>
+        <p:nvSpPr>
+          <p:cNvPr id="2" name="Title 1"/>
+          <p:cNvSpPr>
+            <a:spLocks noGrp="1"/>
+          </p:cNvSpPr>
+          <p:nvPr>
+            <p:ph type="title"/>
+          </p:nvPr>
+        </p:nvSpPr>
+        <p:spPr/>
+        <p:txBody>
+          <a:bodyPr/>
+          <a:lstStyle/>
+          <a:p>
+            <a:r>
+              <a:rPr lang="en-US" dirty="0" smtClean="0"/>
+              <a:t>Next Steps</a:t>
+            </a:r>
+            <a:endParaRPr lang="en-US" dirty="0"/>
+          </a:p>
+        </p:txBody>
+      </p:sp>
+      <p:sp>
+        <p:nvSpPr>
+          <p:cNvPr id="3" name="Content Placeholder 2"/>
+          <p:cNvSpPr>
+            <a:spLocks noGrp="1"/>
+          </p:cNvSpPr>
+          <p:nvPr>
+            <p:ph idx="1"/>
+          </p:nvPr>
+        </p:nvSpPr>
+        <p:spPr/>
+        <p:txBody>
+          <a:bodyPr/>
+          <a:lstStyle/>
+          <a:p>
+            <a:r>
+              <a:rPr lang="en-US" smtClean="0"/>
+              <a:t>If </a:t>
+            </a:r>
+            <a:r>
+              <a:rPr lang="en-US" dirty="0" smtClean="0"/>
+              <a:t>you have questions about this lesson, ask them on the Discussion Board</a:t>
+            </a:r>
+          </a:p>
+          <a:p>
+            <a:r>
+              <a:rPr lang="en-US" dirty="0" smtClean="0"/>
+              <a:t>Go on to the next lesson</a:t>
+            </a:r>
+            <a:endParaRPr lang="en-US" dirty="0"/>
+          </a:p>
+        </p:txBody>
+      </p:sp>
+      <p:sp>
+        <p:nvSpPr>
+          <p:cNvPr id="4" name="Slide Number Placeholder 3"/>
+          <p:cNvSpPr>
+            <a:spLocks noGrp="1"/>
+          </p:cNvSpPr>
+          <p:nvPr>
+            <p:ph type="sldNum" sz="quarter" idx="12"/>
+          </p:nvPr>
+        </p:nvSpPr>
+        <p:spPr/>
+        <p:txBody>
+          <a:bodyPr/>
+          <a:lstStyle/>
+          <a:p>
+            <a:fld id="{2AF3B5EA-18B6-4040-9F78-6052AF49C681}" type="slidenum">
+              <a:rPr lang="en-US" smtClean="0"/>
+              <a:t>9</a:t>
+            </a:fld>
+            <a:endParaRPr lang="en-US"/>
+          </a:p>
+        </p:txBody>
+      </p:sp>
+    </p:spTree>
+    <p:extLst>
+      <p:ext uri="{BB962C8B-B14F-4D97-AF65-F5344CB8AC3E}">
+        <p14:creationId xmlns:p14="http://schemas.microsoft.com/office/powerpoint/2010/main" val="2984835351"/>
       </p:ext>
     </p:extLst>
   </p:cSld>

--- a/Slides/Lesson 1.5 Finishing the Data Design Recipe.pptx
+++ b/Slides/Lesson 1.5 Finishing the Data Design Recipe.pptx
@@ -234,7 +234,7 @@
             <a:fld id="{E3057DDA-BF5C-4879-9957-16E91151DE1E}" type="datetimeFigureOut">
               <a:rPr lang="en-US" smtClean="0"/>
               <a:pPr/>
-              <a:t>8/3/2015</a:t>
+              <a:t>7/25/2016</a:t>
             </a:fld>
             <a:endParaRPr lang="en-US"/>
           </a:p>
@@ -298,38 +298,37 @@
           <a:p>
             <a:pPr lvl="0"/>
             <a:r>
-              <a:rPr lang="en-US" smtClean="0"/>
+              <a:rPr lang="en-US"/>
               <a:t>Click to edit Master text styles</a:t>
             </a:r>
           </a:p>
           <a:p>
             <a:pPr lvl="1"/>
             <a:r>
-              <a:rPr lang="en-US" smtClean="0"/>
+              <a:rPr lang="en-US"/>
               <a:t>Second level</a:t>
             </a:r>
           </a:p>
           <a:p>
             <a:pPr lvl="2"/>
             <a:r>
-              <a:rPr lang="en-US" smtClean="0"/>
+              <a:rPr lang="en-US"/>
               <a:t>Third level</a:t>
             </a:r>
           </a:p>
           <a:p>
             <a:pPr lvl="3"/>
             <a:r>
-              <a:rPr lang="en-US" smtClean="0"/>
+              <a:rPr lang="en-US"/>
               <a:t>Fourth level</a:t>
             </a:r>
           </a:p>
           <a:p>
             <a:pPr lvl="4"/>
             <a:r>
-              <a:rPr lang="en-US" smtClean="0"/>
+              <a:rPr lang="en-US"/>
               <a:t>Fifth level</a:t>
             </a:r>
-            <a:endParaRPr lang="en-US"/>
           </a:p>
         </p:txBody>
       </p:sp>
@@ -796,10 +795,9 @@
           <a:lstStyle/>
           <a:p>
             <a:r>
-              <a:rPr lang="en-US" smtClean="0"/>
+              <a:rPr lang="en-US"/>
               <a:t>Click to edit Master title style</a:t>
             </a:r>
-            <a:endParaRPr lang="en-US"/>
           </a:p>
         </p:txBody>
       </p:sp>
@@ -915,10 +913,9 @@
           </a:lstStyle>
           <a:p>
             <a:r>
-              <a:rPr lang="en-US" smtClean="0"/>
+              <a:rPr lang="en-US"/>
               <a:t>Click to edit Master subtitle style</a:t>
             </a:r>
-            <a:endParaRPr lang="en-US"/>
           </a:p>
         </p:txBody>
       </p:sp>
@@ -947,7 +944,7 @@
           <a:p>
             <a:fld id="{768B3A28-1884-497D-94C5-27227826CE2C}" type="datetime1">
               <a:rPr lang="en-US" smtClean="0"/>
-              <a:t>8/3/2015</a:t>
+              <a:t>7/25/2016</a:t>
             </a:fld>
             <a:endParaRPr lang="en-US"/>
           </a:p>
@@ -1014,13 +1011,6 @@
   <p:clrMapOvr>
     <a:masterClrMapping/>
   </p:clrMapOvr>
-  <p:timing>
-    <p:tnLst>
-      <p:par>
-        <p:cTn id="1" dur="indefinite" restart="never" nodeType="tmRoot"/>
-      </p:par>
-    </p:tnLst>
-  </p:timing>
 </p:sldLayout>
 </file>
 
@@ -1066,10 +1056,9 @@
           </a:lstStyle>
           <a:p>
             <a:r>
-              <a:rPr lang="en-US" smtClean="0"/>
+              <a:rPr lang="en-US"/>
               <a:t>Click to edit Master title style</a:t>
             </a:r>
-            <a:endParaRPr lang="en-US"/>
           </a:p>
         </p:txBody>
       </p:sp>
@@ -1193,7 +1182,7 @@
           <a:p>
             <a:pPr lvl="0"/>
             <a:r>
-              <a:rPr lang="en-US" smtClean="0"/>
+              <a:rPr lang="en-US"/>
               <a:t>Click to edit Master text styles</a:t>
             </a:r>
           </a:p>
@@ -1224,7 +1213,7 @@
           <a:p>
             <a:fld id="{B8262C03-9B91-44B2-B7D5-2A844E6680F8}" type="datetime1">
               <a:rPr lang="en-US" smtClean="0"/>
-              <a:t>8/3/2015</a:t>
+              <a:t>7/25/2016</a:t>
             </a:fld>
             <a:endParaRPr lang="en-US"/>
           </a:p>
@@ -1327,10 +1316,9 @@
           <a:lstStyle/>
           <a:p>
             <a:r>
-              <a:rPr lang="en-US" smtClean="0"/>
+              <a:rPr lang="en-US"/>
               <a:t>Click to edit Master title style</a:t>
             </a:r>
-            <a:endParaRPr lang="en-US"/>
           </a:p>
         </p:txBody>
       </p:sp>
@@ -1351,38 +1339,37 @@
           <a:p>
             <a:pPr lvl="0"/>
             <a:r>
-              <a:rPr lang="en-US" smtClean="0"/>
+              <a:rPr lang="en-US"/>
               <a:t>Click to edit Master text styles</a:t>
             </a:r>
           </a:p>
           <a:p>
             <a:pPr lvl="1"/>
             <a:r>
-              <a:rPr lang="en-US" smtClean="0"/>
+              <a:rPr lang="en-US"/>
               <a:t>Second level</a:t>
             </a:r>
           </a:p>
           <a:p>
             <a:pPr lvl="2"/>
             <a:r>
-              <a:rPr lang="en-US" smtClean="0"/>
+              <a:rPr lang="en-US"/>
               <a:t>Third level</a:t>
             </a:r>
           </a:p>
           <a:p>
             <a:pPr lvl="3"/>
             <a:r>
-              <a:rPr lang="en-US" smtClean="0"/>
+              <a:rPr lang="en-US"/>
               <a:t>Fourth level</a:t>
             </a:r>
           </a:p>
           <a:p>
             <a:pPr lvl="4"/>
             <a:r>
-              <a:rPr lang="en-US" smtClean="0"/>
+              <a:rPr lang="en-US"/>
               <a:t>Fifth level</a:t>
             </a:r>
-            <a:endParaRPr lang="en-US"/>
           </a:p>
         </p:txBody>
       </p:sp>
@@ -1411,7 +1398,7 @@
           <a:p>
             <a:fld id="{B11DCD3A-F44B-4ECF-B365-54BE99BB4BEA}" type="datetime1">
               <a:rPr lang="en-US" smtClean="0"/>
-              <a:t>8/3/2015</a:t>
+              <a:t>7/25/2016</a:t>
             </a:fld>
             <a:endParaRPr lang="en-US"/>
           </a:p>
@@ -1519,10 +1506,9 @@
           <a:lstStyle/>
           <a:p>
             <a:r>
-              <a:rPr lang="en-US" smtClean="0"/>
+              <a:rPr lang="en-US"/>
               <a:t>Click to edit Master title style</a:t>
             </a:r>
-            <a:endParaRPr lang="en-US"/>
           </a:p>
         </p:txBody>
       </p:sp>
@@ -1548,38 +1534,37 @@
           <a:p>
             <a:pPr lvl="0"/>
             <a:r>
-              <a:rPr lang="en-US" smtClean="0"/>
+              <a:rPr lang="en-US"/>
               <a:t>Click to edit Master text styles</a:t>
             </a:r>
           </a:p>
           <a:p>
             <a:pPr lvl="1"/>
             <a:r>
-              <a:rPr lang="en-US" smtClean="0"/>
+              <a:rPr lang="en-US"/>
               <a:t>Second level</a:t>
             </a:r>
           </a:p>
           <a:p>
             <a:pPr lvl="2"/>
             <a:r>
-              <a:rPr lang="en-US" smtClean="0"/>
+              <a:rPr lang="en-US"/>
               <a:t>Third level</a:t>
             </a:r>
           </a:p>
           <a:p>
             <a:pPr lvl="3"/>
             <a:r>
-              <a:rPr lang="en-US" smtClean="0"/>
+              <a:rPr lang="en-US"/>
               <a:t>Fourth level</a:t>
             </a:r>
           </a:p>
           <a:p>
             <a:pPr lvl="4"/>
             <a:r>
-              <a:rPr lang="en-US" smtClean="0"/>
+              <a:rPr lang="en-US"/>
               <a:t>Fifth level</a:t>
             </a:r>
-            <a:endParaRPr lang="en-US"/>
           </a:p>
         </p:txBody>
       </p:sp>
@@ -1608,7 +1593,7 @@
           <a:p>
             <a:fld id="{94377941-97D9-4840-A51B-C8DAEDA2815C}" type="datetime1">
               <a:rPr lang="en-US" smtClean="0"/>
-              <a:t>8/3/2015</a:t>
+              <a:t>7/25/2016</a:t>
             </a:fld>
             <a:endParaRPr lang="en-US"/>
           </a:p>
@@ -1675,13 +1660,6 @@
   <p:clrMapOvr>
     <a:masterClrMapping/>
   </p:clrMapOvr>
-  <p:timing>
-    <p:tnLst>
-      <p:par>
-        <p:cTn id="1" dur="indefinite" restart="never" nodeType="tmRoot"/>
-      </p:par>
-    </p:tnLst>
-  </p:timing>
 </p:sldLayout>
 </file>
 
@@ -1730,10 +1708,9 @@
           <a:lstStyle/>
           <a:p>
             <a:r>
-              <a:rPr lang="en-US" smtClean="0"/>
+              <a:rPr lang="en-US"/>
               <a:t>Click to edit Master title style</a:t>
             </a:r>
-            <a:endParaRPr lang="en-US"/>
           </a:p>
         </p:txBody>
       </p:sp>
@@ -1754,38 +1731,37 @@
           <a:p>
             <a:pPr lvl="0"/>
             <a:r>
-              <a:rPr lang="en-US" smtClean="0"/>
+              <a:rPr lang="en-US"/>
               <a:t>Click to edit Master text styles</a:t>
             </a:r>
           </a:p>
           <a:p>
             <a:pPr lvl="1"/>
             <a:r>
-              <a:rPr lang="en-US" smtClean="0"/>
+              <a:rPr lang="en-US"/>
               <a:t>Second level</a:t>
             </a:r>
           </a:p>
           <a:p>
             <a:pPr lvl="2"/>
             <a:r>
-              <a:rPr lang="en-US" smtClean="0"/>
+              <a:rPr lang="en-US"/>
               <a:t>Third level</a:t>
             </a:r>
           </a:p>
           <a:p>
             <a:pPr lvl="3"/>
             <a:r>
-              <a:rPr lang="en-US" smtClean="0"/>
+              <a:rPr lang="en-US"/>
               <a:t>Fourth level</a:t>
             </a:r>
           </a:p>
           <a:p>
             <a:pPr lvl="4"/>
             <a:r>
-              <a:rPr lang="en-US" smtClean="0"/>
+              <a:rPr lang="en-US"/>
               <a:t>Fifth level</a:t>
             </a:r>
-            <a:endParaRPr lang="en-US"/>
           </a:p>
         </p:txBody>
       </p:sp>
@@ -1814,7 +1790,7 @@
           <a:p>
             <a:fld id="{AB7F5B1C-135C-4619-A2DE-25131AF5278A}" type="datetime1">
               <a:rPr lang="en-US" smtClean="0"/>
-              <a:t>8/3/2015</a:t>
+              <a:t>7/25/2016</a:t>
             </a:fld>
             <a:endParaRPr lang="en-US"/>
           </a:p>
@@ -1881,13 +1857,6 @@
   <p:clrMapOvr>
     <a:masterClrMapping/>
   </p:clrMapOvr>
-  <p:timing>
-    <p:tnLst>
-      <p:par>
-        <p:cTn id="1" dur="indefinite" restart="never" nodeType="tmRoot"/>
-      </p:par>
-    </p:tnLst>
-  </p:timing>
 </p:sldLayout>
 </file>
 
@@ -1924,10 +1893,9 @@
           <a:lstStyle/>
           <a:p>
             <a:r>
-              <a:rPr lang="en-US" smtClean="0"/>
+              <a:rPr lang="en-US"/>
               <a:t>Click to edit Master title style</a:t>
             </a:r>
-            <a:endParaRPr lang="en-US"/>
           </a:p>
         </p:txBody>
       </p:sp>
@@ -1956,38 +1924,37 @@
           <a:p>
             <a:pPr lvl="0"/>
             <a:r>
-              <a:rPr lang="en-US" dirty="0" smtClean="0"/>
+              <a:rPr lang="en-US" dirty="0"/>
               <a:t>Click to edit Master text styles</a:t>
             </a:r>
           </a:p>
           <a:p>
             <a:pPr lvl="1"/>
             <a:r>
-              <a:rPr lang="en-US" dirty="0" smtClean="0"/>
+              <a:rPr lang="en-US" dirty="0"/>
               <a:t>Second level</a:t>
             </a:r>
           </a:p>
           <a:p>
             <a:pPr lvl="2"/>
             <a:r>
-              <a:rPr lang="en-US" dirty="0" smtClean="0"/>
+              <a:rPr lang="en-US" dirty="0"/>
               <a:t>Third level</a:t>
             </a:r>
           </a:p>
           <a:p>
             <a:pPr lvl="3"/>
             <a:r>
-              <a:rPr lang="en-US" dirty="0" smtClean="0"/>
+              <a:rPr lang="en-US" dirty="0"/>
               <a:t>Fourth level</a:t>
             </a:r>
           </a:p>
           <a:p>
             <a:pPr lvl="4"/>
             <a:r>
-              <a:rPr lang="en-US" dirty="0" smtClean="0"/>
+              <a:rPr lang="en-US" dirty="0"/>
               <a:t>Fifth level</a:t>
             </a:r>
-            <a:endParaRPr lang="en-US" dirty="0"/>
           </a:p>
         </p:txBody>
       </p:sp>
@@ -2016,7 +1983,7 @@
           <a:p>
             <a:fld id="{29517BA8-26BA-4B7C-A41A-804B81F83A36}" type="datetime1">
               <a:rPr lang="en-US" smtClean="0"/>
-              <a:t>8/3/2015</a:t>
+              <a:t>7/25/2016</a:t>
             </a:fld>
             <a:endParaRPr lang="en-US"/>
           </a:p>
@@ -2083,13 +2050,6 @@
   <p:clrMapOvr>
     <a:masterClrMapping/>
   </p:clrMapOvr>
-  <p:timing>
-    <p:tnLst>
-      <p:par>
-        <p:cTn id="1" dur="indefinite" restart="never" nodeType="tmRoot"/>
-      </p:par>
-    </p:tnLst>
-  </p:timing>
 </p:sldLayout>
 </file>
 
@@ -2135,10 +2095,9 @@
           </a:lstStyle>
           <a:p>
             <a:r>
-              <a:rPr lang="en-US" smtClean="0"/>
+              <a:rPr lang="en-US"/>
               <a:t>Click to edit Master title style</a:t>
             </a:r>
-            <a:endParaRPr lang="en-US"/>
           </a:p>
         </p:txBody>
       </p:sp>
@@ -2255,7 +2214,7 @@
           <a:p>
             <a:pPr lvl="0"/>
             <a:r>
-              <a:rPr lang="en-US" smtClean="0"/>
+              <a:rPr lang="en-US"/>
               <a:t>Click to edit Master text styles</a:t>
             </a:r>
           </a:p>
@@ -2286,7 +2245,7 @@
           <a:p>
             <a:fld id="{E54FABC5-F62F-49DD-A24E-5C2CE15A3D87}" type="datetime1">
               <a:rPr lang="en-US" smtClean="0"/>
-              <a:t>8/3/2015</a:t>
+              <a:t>7/25/2016</a:t>
             </a:fld>
             <a:endParaRPr lang="en-US"/>
           </a:p>
@@ -2353,13 +2312,6 @@
   <p:clrMapOvr>
     <a:masterClrMapping/>
   </p:clrMapOvr>
-  <p:timing>
-    <p:tnLst>
-      <p:par>
-        <p:cTn id="1" dur="indefinite" restart="never" nodeType="tmRoot"/>
-      </p:par>
-    </p:tnLst>
-  </p:timing>
 </p:sldLayout>
 </file>
 
@@ -2396,10 +2348,9 @@
           <a:lstStyle/>
           <a:p>
             <a:r>
-              <a:rPr lang="en-US" smtClean="0"/>
+              <a:rPr lang="en-US"/>
               <a:t>Click to edit Master title style</a:t>
             </a:r>
-            <a:endParaRPr lang="en-US"/>
           </a:p>
         </p:txBody>
       </p:sp>
@@ -2453,38 +2404,37 @@
           <a:p>
             <a:pPr lvl="0"/>
             <a:r>
-              <a:rPr lang="en-US" smtClean="0"/>
+              <a:rPr lang="en-US"/>
               <a:t>Click to edit Master text styles</a:t>
             </a:r>
           </a:p>
           <a:p>
             <a:pPr lvl="1"/>
             <a:r>
-              <a:rPr lang="en-US" smtClean="0"/>
+              <a:rPr lang="en-US"/>
               <a:t>Second level</a:t>
             </a:r>
           </a:p>
           <a:p>
             <a:pPr lvl="2"/>
             <a:r>
-              <a:rPr lang="en-US" smtClean="0"/>
+              <a:rPr lang="en-US"/>
               <a:t>Third level</a:t>
             </a:r>
           </a:p>
           <a:p>
             <a:pPr lvl="3"/>
             <a:r>
-              <a:rPr lang="en-US" smtClean="0"/>
+              <a:rPr lang="en-US"/>
               <a:t>Fourth level</a:t>
             </a:r>
           </a:p>
           <a:p>
             <a:pPr lvl="4"/>
             <a:r>
-              <a:rPr lang="en-US" smtClean="0"/>
+              <a:rPr lang="en-US"/>
               <a:t>Fifth level</a:t>
             </a:r>
-            <a:endParaRPr lang="en-US"/>
           </a:p>
         </p:txBody>
       </p:sp>
@@ -2538,38 +2488,37 @@
           <a:p>
             <a:pPr lvl="0"/>
             <a:r>
-              <a:rPr lang="en-US" smtClean="0"/>
+              <a:rPr lang="en-US"/>
               <a:t>Click to edit Master text styles</a:t>
             </a:r>
           </a:p>
           <a:p>
             <a:pPr lvl="1"/>
             <a:r>
-              <a:rPr lang="en-US" smtClean="0"/>
+              <a:rPr lang="en-US"/>
               <a:t>Second level</a:t>
             </a:r>
           </a:p>
           <a:p>
             <a:pPr lvl="2"/>
             <a:r>
-              <a:rPr lang="en-US" smtClean="0"/>
+              <a:rPr lang="en-US"/>
               <a:t>Third level</a:t>
             </a:r>
           </a:p>
           <a:p>
             <a:pPr lvl="3"/>
             <a:r>
-              <a:rPr lang="en-US" smtClean="0"/>
+              <a:rPr lang="en-US"/>
               <a:t>Fourth level</a:t>
             </a:r>
           </a:p>
           <a:p>
             <a:pPr lvl="4"/>
             <a:r>
-              <a:rPr lang="en-US" smtClean="0"/>
+              <a:rPr lang="en-US"/>
               <a:t>Fifth level</a:t>
             </a:r>
-            <a:endParaRPr lang="en-US"/>
           </a:p>
         </p:txBody>
       </p:sp>
@@ -2598,7 +2547,7 @@
           <a:p>
             <a:fld id="{510AAC56-4986-4B63-9F74-D47EE64ADD9E}" type="datetime1">
               <a:rPr lang="en-US" smtClean="0"/>
-              <a:t>8/3/2015</a:t>
+              <a:t>7/25/2016</a:t>
             </a:fld>
             <a:endParaRPr lang="en-US"/>
           </a:p>
@@ -2665,13 +2614,6 @@
   <p:clrMapOvr>
     <a:masterClrMapping/>
   </p:clrMapOvr>
-  <p:timing>
-    <p:tnLst>
-      <p:par>
-        <p:cTn id="1" dur="indefinite" restart="never" nodeType="tmRoot"/>
-      </p:par>
-    </p:tnLst>
-  </p:timing>
 </p:sldLayout>
 </file>
 
@@ -2712,10 +2654,9 @@
           </a:lstStyle>
           <a:p>
             <a:r>
-              <a:rPr lang="en-US" smtClean="0"/>
+              <a:rPr lang="en-US"/>
               <a:t>Click to edit Master title style</a:t>
             </a:r>
-            <a:endParaRPr lang="en-US"/>
           </a:p>
         </p:txBody>
       </p:sp>
@@ -2778,7 +2719,7 @@
           <a:p>
             <a:pPr lvl="0"/>
             <a:r>
-              <a:rPr lang="en-US" smtClean="0"/>
+              <a:rPr lang="en-US"/>
               <a:t>Click to edit Master text styles</a:t>
             </a:r>
           </a:p>
@@ -2834,38 +2775,37 @@
           <a:p>
             <a:pPr lvl="0"/>
             <a:r>
-              <a:rPr lang="en-US" smtClean="0"/>
+              <a:rPr lang="en-US"/>
               <a:t>Click to edit Master text styles</a:t>
             </a:r>
           </a:p>
           <a:p>
             <a:pPr lvl="1"/>
             <a:r>
-              <a:rPr lang="en-US" smtClean="0"/>
+              <a:rPr lang="en-US"/>
               <a:t>Second level</a:t>
             </a:r>
           </a:p>
           <a:p>
             <a:pPr lvl="2"/>
             <a:r>
-              <a:rPr lang="en-US" smtClean="0"/>
+              <a:rPr lang="en-US"/>
               <a:t>Third level</a:t>
             </a:r>
           </a:p>
           <a:p>
             <a:pPr lvl="3"/>
             <a:r>
-              <a:rPr lang="en-US" smtClean="0"/>
+              <a:rPr lang="en-US"/>
               <a:t>Fourth level</a:t>
             </a:r>
           </a:p>
           <a:p>
             <a:pPr lvl="4"/>
             <a:r>
-              <a:rPr lang="en-US" smtClean="0"/>
+              <a:rPr lang="en-US"/>
               <a:t>Fifth level</a:t>
             </a:r>
-            <a:endParaRPr lang="en-US"/>
           </a:p>
         </p:txBody>
       </p:sp>
@@ -2928,7 +2868,7 @@
           <a:p>
             <a:pPr lvl="0"/>
             <a:r>
-              <a:rPr lang="en-US" smtClean="0"/>
+              <a:rPr lang="en-US"/>
               <a:t>Click to edit Master text styles</a:t>
             </a:r>
           </a:p>
@@ -2984,38 +2924,37 @@
           <a:p>
             <a:pPr lvl="0"/>
             <a:r>
-              <a:rPr lang="en-US" smtClean="0"/>
+              <a:rPr lang="en-US"/>
               <a:t>Click to edit Master text styles</a:t>
             </a:r>
           </a:p>
           <a:p>
             <a:pPr lvl="1"/>
             <a:r>
-              <a:rPr lang="en-US" smtClean="0"/>
+              <a:rPr lang="en-US"/>
               <a:t>Second level</a:t>
             </a:r>
           </a:p>
           <a:p>
             <a:pPr lvl="2"/>
             <a:r>
-              <a:rPr lang="en-US" smtClean="0"/>
+              <a:rPr lang="en-US"/>
               <a:t>Third level</a:t>
             </a:r>
           </a:p>
           <a:p>
             <a:pPr lvl="3"/>
             <a:r>
-              <a:rPr lang="en-US" smtClean="0"/>
+              <a:rPr lang="en-US"/>
               <a:t>Fourth level</a:t>
             </a:r>
           </a:p>
           <a:p>
             <a:pPr lvl="4"/>
             <a:r>
-              <a:rPr lang="en-US" smtClean="0"/>
+              <a:rPr lang="en-US"/>
               <a:t>Fifth level</a:t>
             </a:r>
-            <a:endParaRPr lang="en-US"/>
           </a:p>
         </p:txBody>
       </p:sp>
@@ -3044,7 +2983,7 @@
           <a:p>
             <a:fld id="{FCC14660-E407-48B8-9CF0-DD79C3F69AD0}" type="datetime1">
               <a:rPr lang="en-US" smtClean="0"/>
-              <a:t>8/3/2015</a:t>
+              <a:t>7/25/2016</a:t>
             </a:fld>
             <a:endParaRPr lang="en-US"/>
           </a:p>
@@ -3111,13 +3050,6 @@
   <p:clrMapOvr>
     <a:masterClrMapping/>
   </p:clrMapOvr>
-  <p:timing>
-    <p:tnLst>
-      <p:par>
-        <p:cTn id="1" dur="indefinite" restart="never" nodeType="tmRoot"/>
-      </p:par>
-    </p:tnLst>
-  </p:timing>
 </p:sldLayout>
 </file>
 
@@ -3154,10 +3086,9 @@
           <a:lstStyle/>
           <a:p>
             <a:r>
-              <a:rPr lang="en-US" smtClean="0"/>
+              <a:rPr lang="en-US"/>
               <a:t>Click to edit Master title style</a:t>
             </a:r>
-            <a:endParaRPr lang="en-US"/>
           </a:p>
         </p:txBody>
       </p:sp>
@@ -3186,7 +3117,7 @@
           <a:p>
             <a:fld id="{9B0DE907-AEDA-4EE9-869A-B21DA6DC498D}" type="datetime1">
               <a:rPr lang="en-US" smtClean="0"/>
-              <a:t>8/3/2015</a:t>
+              <a:t>7/25/2016</a:t>
             </a:fld>
             <a:endParaRPr lang="en-US"/>
           </a:p>
@@ -3298,7 +3229,7 @@
           <a:p>
             <a:fld id="{38C540BA-3DB2-4124-8990-4661E7113E01}" type="datetime1">
               <a:rPr lang="en-US" smtClean="0"/>
-              <a:t>8/3/2015</a:t>
+              <a:t>7/25/2016</a:t>
             </a:fld>
             <a:endParaRPr lang="en-US"/>
           </a:p>
@@ -3410,10 +3341,9 @@
           </a:lstStyle>
           <a:p>
             <a:r>
-              <a:rPr lang="en-US" smtClean="0"/>
+              <a:rPr lang="en-US"/>
               <a:t>Click to edit Master title style</a:t>
             </a:r>
-            <a:endParaRPr lang="en-US"/>
           </a:p>
         </p:txBody>
       </p:sp>
@@ -3467,38 +3397,37 @@
           <a:p>
             <a:pPr lvl="0"/>
             <a:r>
-              <a:rPr lang="en-US" smtClean="0"/>
+              <a:rPr lang="en-US"/>
               <a:t>Click to edit Master text styles</a:t>
             </a:r>
           </a:p>
           <a:p>
             <a:pPr lvl="1"/>
             <a:r>
-              <a:rPr lang="en-US" smtClean="0"/>
+              <a:rPr lang="en-US"/>
               <a:t>Second level</a:t>
             </a:r>
           </a:p>
           <a:p>
             <a:pPr lvl="2"/>
             <a:r>
-              <a:rPr lang="en-US" smtClean="0"/>
+              <a:rPr lang="en-US"/>
               <a:t>Third level</a:t>
             </a:r>
           </a:p>
           <a:p>
             <a:pPr lvl="3"/>
             <a:r>
-              <a:rPr lang="en-US" smtClean="0"/>
+              <a:rPr lang="en-US"/>
               <a:t>Fourth level</a:t>
             </a:r>
           </a:p>
           <a:p>
             <a:pPr lvl="4"/>
             <a:r>
-              <a:rPr lang="en-US" smtClean="0"/>
+              <a:rPr lang="en-US"/>
               <a:t>Fifth level</a:t>
             </a:r>
-            <a:endParaRPr lang="en-US"/>
           </a:p>
         </p:txBody>
       </p:sp>
@@ -3561,7 +3490,7 @@
           <a:p>
             <a:pPr lvl="0"/>
             <a:r>
-              <a:rPr lang="en-US" smtClean="0"/>
+              <a:rPr lang="en-US"/>
               <a:t>Click to edit Master text styles</a:t>
             </a:r>
           </a:p>
@@ -3592,7 +3521,7 @@
           <a:p>
             <a:fld id="{90F6EF63-9AC7-45BB-B551-A0640428FFFB}" type="datetime1">
               <a:rPr lang="en-US" smtClean="0"/>
-              <a:t>8/3/2015</a:t>
+              <a:t>7/25/2016</a:t>
             </a:fld>
             <a:endParaRPr lang="en-US"/>
           </a:p>
@@ -3710,10 +3639,9 @@
           <a:lstStyle/>
           <a:p>
             <a:r>
-              <a:rPr lang="en-US" smtClean="0"/>
+              <a:rPr lang="en-US"/>
               <a:t>Click to edit Master title style</a:t>
             </a:r>
-            <a:endParaRPr lang="en-US"/>
           </a:p>
         </p:txBody>
       </p:sp>
@@ -3744,38 +3672,37 @@
           <a:p>
             <a:pPr lvl="0"/>
             <a:r>
-              <a:rPr lang="en-US" smtClean="0"/>
+              <a:rPr lang="en-US"/>
               <a:t>Click to edit Master text styles</a:t>
             </a:r>
           </a:p>
           <a:p>
             <a:pPr lvl="1"/>
             <a:r>
-              <a:rPr lang="en-US" smtClean="0"/>
+              <a:rPr lang="en-US"/>
               <a:t>Second level</a:t>
             </a:r>
           </a:p>
           <a:p>
             <a:pPr lvl="2"/>
             <a:r>
-              <a:rPr lang="en-US" smtClean="0"/>
+              <a:rPr lang="en-US"/>
               <a:t>Third level</a:t>
             </a:r>
           </a:p>
           <a:p>
             <a:pPr lvl="3"/>
             <a:r>
-              <a:rPr lang="en-US" smtClean="0"/>
+              <a:rPr lang="en-US"/>
               <a:t>Fourth level</a:t>
             </a:r>
           </a:p>
           <a:p>
             <a:pPr lvl="4"/>
             <a:r>
-              <a:rPr lang="en-US" smtClean="0"/>
+              <a:rPr lang="en-US"/>
               <a:t>Fifth level</a:t>
             </a:r>
-            <a:endParaRPr lang="en-US"/>
           </a:p>
         </p:txBody>
       </p:sp>
@@ -3843,13 +3770,6 @@
     <p:sldLayoutId id="2147483658" r:id="rId11"/>
     <p:sldLayoutId id="2147483659" r:id="rId12"/>
   </p:sldLayoutIdLst>
-  <p:timing>
-    <p:tnLst>
-      <p:par>
-        <p:cTn id="1" dur="indefinite" restart="never" nodeType="tmRoot"/>
-      </p:par>
-    </p:tnLst>
-  </p:timing>
   <p:hf hdr="0" ftr="0" dt="0"/>
   <p:txStyles>
     <p:titleStyle>
@@ -4131,18 +4051,23 @@
             <p:ph type="ctrTitle"/>
           </p:nvPr>
         </p:nvSpPr>
-        <p:spPr/>
-        <p:txBody>
-          <a:bodyPr>
+        <p:spPr>
+          <a:ln w="28575">
+            <a:solidFill>
+              <a:schemeClr val="accent1"/>
+            </a:solidFill>
+          </a:ln>
+        </p:spPr>
+        <p:txBody>
+          <a:bodyPr vert="horz" lIns="91440" tIns="45720" rIns="91440" bIns="45720" rtlCol="0" anchor="ctr">
             <a:normAutofit/>
           </a:bodyPr>
           <a:lstStyle/>
           <a:p>
             <a:r>
-              <a:rPr lang="en-US" dirty="0" smtClean="0"/>
+              <a:rPr lang="en-US" dirty="0"/>
               <a:t>Finishing the Data Definition Recipe</a:t>
             </a:r>
-            <a:endParaRPr lang="en-US" dirty="0"/>
           </a:p>
         </p:txBody>
       </p:sp>
@@ -4177,13 +4102,8 @@
           <a:p>
             <a:r>
               <a:rPr lang="en-US" dirty="0"/>
-              <a:t>Lesson </a:t>
-            </a:r>
-            <a:r>
-              <a:rPr lang="en-US" dirty="0" smtClean="0"/>
-              <a:t>1.5</a:t>
-            </a:r>
-            <a:endParaRPr lang="en-US" dirty="0"/>
+              <a:t>Lesson 1.5</a:t>
+            </a:r>
           </a:p>
           <a:p>
             <a:endParaRPr lang="en-US" dirty="0"/>
@@ -4282,27 +4202,13 @@
             <a:p>
               <a:r>
                 <a:rPr lang="en-US" sz="1000" dirty="0"/>
-                <a:t>© Mitchell Wand, </a:t>
-              </a:r>
-              <a:r>
-                <a:rPr lang="en-US" sz="1000" dirty="0" smtClean="0"/>
-                <a:t>2012-2014</a:t>
+                <a:t>© Mitchell Wand, 2012-2014</a:t>
               </a:r>
             </a:p>
             <a:p>
               <a:r>
-                <a:rPr lang="en-US" sz="1000" dirty="0" smtClean="0"/>
+                <a:rPr lang="en-US" sz="1000" dirty="0"/>
                 <a:t>This work is licensed under a </a:t>
-              </a:r>
-              <a:r>
-                <a:rPr lang="en-US" altLang="en-US" sz="1000" dirty="0" smtClean="0">
-                  <a:solidFill>
-                    <a:srgbClr val="4374B7"/>
-                  </a:solidFill>
-                  <a:latin typeface="Helvetica Neue"/>
-                  <a:hlinkClick r:id="rId4"/>
-                </a:rPr>
-                <a:t>Creative </a:t>
               </a:r>
               <a:r>
                 <a:rPr lang="en-US" altLang="en-US" sz="1000" dirty="0">
@@ -4312,7 +4218,7 @@
                   <a:latin typeface="Helvetica Neue"/>
                   <a:hlinkClick r:id="rId4"/>
                 </a:rPr>
-                <a:t>Commons Attribution-</a:t>
+                <a:t>Creative Commons Attribution-</a:t>
               </a:r>
               <a:r>
                 <a:rPr lang="en-US" altLang="en-US" sz="1000" dirty="0" err="1">
@@ -4335,10 +4241,9 @@
                 <a:t> 4.0 International License</a:t>
               </a:r>
               <a:r>
-                <a:rPr lang="en-US" sz="1000" dirty="0" smtClean="0"/>
+                <a:rPr lang="en-US" sz="1000" dirty="0"/>
                 <a:t>.</a:t>
               </a:r>
-              <a:endParaRPr lang="en-US" sz="1000" dirty="0"/>
             </a:p>
           </p:txBody>
         </p:sp>
@@ -4353,13 +4258,6 @@
   <p:clrMapOvr>
     <a:masterClrMapping/>
   </p:clrMapOvr>
-  <p:timing>
-    <p:tnLst>
-      <p:par>
-        <p:cTn id="1" dur="indefinite" restart="never" nodeType="tmRoot"/>
-      </p:par>
-    </p:tnLst>
-  </p:timing>
 </p:sld>
 </file>
 
@@ -4398,10 +4296,9 @@
           <a:lstStyle/>
           <a:p>
             <a:r>
-              <a:rPr lang="en-US" dirty="0" smtClean="0"/>
+              <a:rPr lang="en-US" dirty="0"/>
               <a:t>Learning Objectives for This Lesson</a:t>
             </a:r>
-            <a:endParaRPr lang="en-US" dirty="0"/>
           </a:p>
         </p:txBody>
       </p:sp>
@@ -4421,28 +4318,28 @@
           <a:lstStyle/>
           <a:p>
             <a:r>
-              <a:rPr lang="en-US" dirty="0" smtClean="0"/>
+              <a:rPr lang="en-US" dirty="0"/>
               <a:t>By the time you finish this lesson, you should be able to:</a:t>
             </a:r>
           </a:p>
           <a:p>
             <a:pPr lvl="1"/>
             <a:r>
-              <a:rPr lang="en-US" dirty="0" smtClean="0"/>
+              <a:rPr lang="en-US" dirty="0"/>
               <a:t>explain why it is so important to get the template correct</a:t>
             </a:r>
           </a:p>
           <a:p>
             <a:pPr lvl="1"/>
             <a:r>
-              <a:rPr lang="en-US" dirty="0" smtClean="0"/>
+              <a:rPr lang="en-US" dirty="0"/>
               <a:t>write a complete data definition, including template and examples</a:t>
             </a:r>
           </a:p>
           <a:p>
             <a:pPr lvl="1"/>
             <a:r>
-              <a:rPr lang="en-US" dirty="0" smtClean="0"/>
+              <a:rPr lang="en-US" dirty="0"/>
               <a:t>list the 4 questions you should ask yourself when reviewing a data definition</a:t>
             </a:r>
           </a:p>
@@ -4482,13 +4379,6 @@
   <p:clrMapOvr>
     <a:masterClrMapping/>
   </p:clrMapOvr>
-  <p:timing>
-    <p:tnLst>
-      <p:par>
-        <p:cTn id="1" dur="indefinite" restart="never" nodeType="tmRoot"/>
-      </p:par>
-    </p:tnLst>
-  </p:timing>
 </p:sld>
 </file>
 
@@ -4525,10 +4415,9 @@
           <a:lstStyle/>
           <a:p>
             <a:r>
-              <a:rPr lang="en-US" dirty="0" smtClean="0"/>
+              <a:rPr lang="en-US" dirty="0"/>
               <a:t>There is only one correct template</a:t>
             </a:r>
-            <a:endParaRPr lang="en-US" dirty="0"/>
           </a:p>
         </p:txBody>
       </p:sp>
@@ -4548,13 +4437,13 @@
           <a:lstStyle/>
           <a:p>
             <a:r>
-              <a:rPr lang="en-US" dirty="0" smtClean="0"/>
+              <a:rPr lang="en-US" dirty="0"/>
               <a:t>Going from the data definition to the template is completely mechanical</a:t>
             </a:r>
           </a:p>
           <a:p>
             <a:r>
-              <a:rPr lang="en-US" dirty="0" smtClean="0"/>
+              <a:rPr lang="en-US" dirty="0"/>
               <a:t>For every data definition there is one and only one correct template</a:t>
             </a:r>
           </a:p>
@@ -4594,13 +4483,6 @@
   <p:clrMapOvr>
     <a:masterClrMapping/>
   </p:clrMapOvr>
-  <p:timing>
-    <p:tnLst>
-      <p:par>
-        <p:cTn id="1" dur="indefinite" restart="never" nodeType="tmRoot"/>
-      </p:par>
-    </p:tnLst>
-  </p:timing>
 </p:sld>
 </file>
 
@@ -4637,10 +4519,9 @@
           <a:lstStyle/>
           <a:p>
             <a:r>
-              <a:rPr lang="en-US" dirty="0" smtClean="0"/>
+              <a:rPr lang="en-US" dirty="0"/>
               <a:t>Get the template right!</a:t>
             </a:r>
-            <a:endParaRPr lang="en-US" dirty="0"/>
           </a:p>
         </p:txBody>
       </p:sp>
@@ -4660,18 +4541,18 @@
           <a:lstStyle/>
           <a:p>
             <a:r>
-              <a:rPr lang="en-US" dirty="0" smtClean="0"/>
+              <a:rPr lang="en-US" dirty="0"/>
               <a:t>Getting templates right is important:  </a:t>
             </a:r>
           </a:p>
           <a:p>
             <a:pPr lvl="1"/>
             <a:r>
-              <a:rPr lang="en-US" dirty="0" smtClean="0"/>
+              <a:rPr lang="en-US" dirty="0"/>
               <a:t>the template tells you </a:t>
             </a:r>
             <a:r>
-              <a:rPr lang="en-US" i="1" dirty="0" smtClean="0">
+              <a:rPr lang="en-US" i="1" dirty="0">
                 <a:solidFill>
                   <a:srgbClr val="FF0000"/>
                 </a:solidFill>
@@ -4679,7 +4560,7 @@
               <a:t>exactly</a:t>
             </a:r>
             <a:r>
-              <a:rPr lang="en-US" dirty="0" smtClean="0">
+              <a:rPr lang="en-US" dirty="0">
                 <a:solidFill>
                   <a:srgbClr val="FF0000"/>
                 </a:solidFill>
@@ -4687,18 +4568,18 @@
               <a:t> </a:t>
             </a:r>
             <a:r>
-              <a:rPr lang="en-US" dirty="0" smtClean="0"/>
+              <a:rPr lang="en-US" dirty="0"/>
               <a:t>how to go about writing a function for manipulating the values from the data definition</a:t>
             </a:r>
           </a:p>
           <a:p>
             <a:pPr lvl="1"/>
             <a:r>
-              <a:rPr lang="en-US" dirty="0" smtClean="0"/>
+              <a:rPr lang="en-US" dirty="0"/>
               <a:t>a large portion of student errors come from getting the template wrong, or from not following the template </a:t>
             </a:r>
             <a:r>
-              <a:rPr lang="en-US" i="1" dirty="0" smtClean="0">
+              <a:rPr lang="en-US" i="1" dirty="0">
                 <a:solidFill>
                   <a:srgbClr val="FF0000"/>
                 </a:solidFill>
@@ -4706,7 +4587,7 @@
               <a:t>exactly</a:t>
             </a:r>
             <a:r>
-              <a:rPr lang="en-US" dirty="0" smtClean="0"/>
+              <a:rPr lang="en-US" dirty="0"/>
               <a:t>.</a:t>
             </a:r>
           </a:p>
@@ -4750,13 +4631,6 @@
   <p:clrMapOvr>
     <a:masterClrMapping/>
   </p:clrMapOvr>
-  <p:timing>
-    <p:tnLst>
-      <p:par>
-        <p:cTn id="1" dur="indefinite" restart="never" nodeType="tmRoot"/>
-      </p:par>
-    </p:tnLst>
-  </p:timing>
 </p:sld>
 </file>
 
@@ -4793,10 +4667,9 @@
           <a:lstStyle/>
           <a:p>
             <a:r>
-              <a:rPr lang="en-US" dirty="0" smtClean="0"/>
+              <a:rPr lang="en-US" dirty="0"/>
               <a:t>DDR Step 6: Examples</a:t>
             </a:r>
-            <a:endParaRPr lang="en-US" dirty="0"/>
           </a:p>
         </p:txBody>
       </p:sp>
@@ -4816,25 +4689,25 @@
           <a:lstStyle/>
           <a:p>
             <a:r>
-              <a:rPr lang="en-US" dirty="0" smtClean="0"/>
+              <a:rPr lang="en-US" dirty="0"/>
               <a:t>Our coding standard: examples are required only for mixed data</a:t>
             </a:r>
           </a:p>
           <a:p>
             <a:r>
-              <a:rPr lang="en-US" dirty="0" smtClean="0"/>
+              <a:rPr lang="en-US" dirty="0"/>
               <a:t>Provide one example for each alternative.</a:t>
             </a:r>
           </a:p>
           <a:p>
             <a:r>
-              <a:rPr lang="en-US" dirty="0" smtClean="0"/>
+              <a:rPr lang="en-US" dirty="0"/>
               <a:t>Provide each example as a constant</a:t>
             </a:r>
           </a:p>
           <a:p>
             <a:r>
-              <a:rPr lang="en-US" dirty="0" smtClean="0"/>
+              <a:rPr lang="en-US" dirty="0"/>
               <a:t>Usually you will need these for testing</a:t>
             </a:r>
           </a:p>
@@ -4880,13 +4753,6 @@
   <p:clrMapOvr>
     <a:masterClrMapping/>
   </p:clrMapOvr>
-  <p:timing>
-    <p:tnLst>
-      <p:par>
-        <p:cTn id="1" dur="indefinite" restart="never" nodeType="tmRoot"/>
-      </p:par>
-    </p:tnLst>
-  </p:timing>
 </p:sld>
 </file>
 
@@ -4923,10 +4789,9 @@
           <a:lstStyle/>
           <a:p>
             <a:r>
-              <a:rPr lang="en-US" dirty="0" smtClean="0"/>
+              <a:rPr lang="en-US" dirty="0"/>
               <a:t>Examples for Bar Order</a:t>
             </a:r>
-            <a:endParaRPr lang="en-US" dirty="0"/>
           </a:p>
         </p:txBody>
       </p:sp>
@@ -4966,12 +4831,28 @@
               <a:t>;; -- (make-coffee Size </a:t>
             </a:r>
             <a:r>
-              <a:rPr lang="en-US" sz="2000" dirty="0" err="1" smtClean="0"/>
+              <a:rPr lang="en-US" sz="2000" dirty="0" err="1"/>
               <a:t>CoffeeType</a:t>
             </a:r>
             <a:r>
-              <a:rPr lang="en-US" sz="2000" dirty="0" smtClean="0"/>
-              <a:t> Boolean</a:t>
+              <a:rPr lang="en-US" sz="2000" dirty="0"/>
+              <a:t> Boolean)</a:t>
+            </a:r>
+          </a:p>
+          <a:p>
+            <a:r>
+              <a:rPr lang="en-US" sz="2000" dirty="0"/>
+              <a:t>;; -- (make-wine Vineyard Year)</a:t>
+            </a:r>
+          </a:p>
+          <a:p>
+            <a:r>
+              <a:rPr lang="en-US" sz="2000" dirty="0"/>
+              <a:t>;; -- (make-tea Size </a:t>
+            </a:r>
+            <a:r>
+              <a:rPr lang="en-US" sz="2000" dirty="0" err="1"/>
+              <a:t>TeaType</a:t>
             </a:r>
             <a:r>
               <a:rPr lang="en-US" sz="2000" dirty="0"/>
@@ -4981,27 +4862,30 @@
           <a:p>
             <a:r>
               <a:rPr lang="en-US" sz="2000" dirty="0"/>
-              <a:t>;; -- (make-wine Vineyard Year)</a:t>
-            </a:r>
+              <a:t>;; INTERP: ....</a:t>
+            </a:r>
+          </a:p>
+          <a:p>
+            <a:endParaRPr lang="en-US" sz="2000" dirty="0"/>
           </a:p>
           <a:p>
             <a:r>
               <a:rPr lang="en-US" sz="2000" dirty="0"/>
-              <a:t>;; -- (make-tea Size </a:t>
-            </a:r>
-            <a:r>
-              <a:rPr lang="en-US" sz="2000" dirty="0" err="1" smtClean="0"/>
-              <a:t>TeaType</a:t>
-            </a:r>
-            <a:r>
-              <a:rPr lang="en-US" sz="2000" dirty="0" smtClean="0"/>
-              <a:t>)</a:t>
-            </a:r>
-          </a:p>
-          <a:p>
-            <a:r>
-              <a:rPr lang="en-US" sz="2000" dirty="0" smtClean="0"/>
-              <a:t>;; INTERP: ....</a:t>
+              <a:t>(define coffee-order1 (make-coffee 12 "</a:t>
+            </a:r>
+            <a:r>
+              <a:rPr lang="en-US" sz="2000" dirty="0" err="1"/>
+              <a:t>kona</a:t>
+            </a:r>
+            <a:r>
+              <a:rPr lang="en-US" sz="2000" dirty="0"/>
+              <a:t>" true))</a:t>
+            </a:r>
+          </a:p>
+          <a:p>
+            <a:r>
+              <a:rPr lang="en-US" sz="2000" dirty="0"/>
+              <a:t>(define coffee-order2 (make-coffee 16 "decaf" false))</a:t>
             </a:r>
           </a:p>
           <a:p>
@@ -5009,22 +4893,8 @@
           </a:p>
           <a:p>
             <a:r>
-              <a:rPr lang="en-US" sz="2000" dirty="0" smtClean="0"/>
-              <a:t>(define coffee-order1 (make-coffee 12 "</a:t>
-            </a:r>
-            <a:r>
-              <a:rPr lang="en-US" sz="2000" dirty="0" err="1" smtClean="0"/>
-              <a:t>kona</a:t>
-            </a:r>
-            <a:r>
-              <a:rPr lang="en-US" sz="2000" dirty="0" smtClean="0"/>
-              <a:t>" true))</a:t>
-            </a:r>
-          </a:p>
-          <a:p>
-            <a:r>
-              <a:rPr lang="en-US" sz="2000" dirty="0" smtClean="0"/>
-              <a:t>(define coffee-order2 (make-coffee 16 "decaf" false))</a:t>
+              <a:rPr lang="en-US" sz="2000" dirty="0"/>
+              <a:t>(define wine-order1 (make-wine "Chateau St. Jean" 2005))</a:t>
             </a:r>
           </a:p>
           <a:p>
@@ -5032,19 +4902,9 @@
           </a:p>
           <a:p>
             <a:r>
-              <a:rPr lang="en-US" sz="2000" dirty="0" smtClean="0"/>
-              <a:t>(define wine-order1 (make-wine "Chateau St. Jean" 2005))</a:t>
-            </a:r>
-          </a:p>
-          <a:p>
-            <a:endParaRPr lang="en-US" sz="2000" dirty="0"/>
-          </a:p>
-          <a:p>
-            <a:r>
-              <a:rPr lang="en-US" sz="2000" dirty="0" smtClean="0"/>
+              <a:rPr lang="en-US" sz="2000" dirty="0"/>
               <a:t>(define tea-order1 (make-tea 12 "Oolong"))</a:t>
             </a:r>
-            <a:endParaRPr lang="en-US" sz="2000" dirty="0"/>
           </a:p>
           <a:p>
             <a:endParaRPr lang="en-US" sz="2000" dirty="0"/>
@@ -5085,13 +4945,6 @@
   <p:clrMapOvr>
     <a:masterClrMapping/>
   </p:clrMapOvr>
-  <p:timing>
-    <p:tnLst>
-      <p:par>
-        <p:cTn id="1" dur="indefinite" restart="never" nodeType="tmRoot"/>
-      </p:par>
-    </p:tnLst>
-  </p:timing>
 </p:sld>
 </file>
 
@@ -5128,10 +4981,9 @@
           <a:lstStyle/>
           <a:p>
             <a:r>
-              <a:rPr lang="en-US" dirty="0" smtClean="0"/>
+              <a:rPr lang="en-US" dirty="0"/>
               <a:t>DDR Step 7: Review</a:t>
             </a:r>
-            <a:endParaRPr lang="en-US" dirty="0"/>
           </a:p>
         </p:txBody>
       </p:sp>
@@ -5151,16 +5003,15 @@
           <a:lstStyle/>
           <a:p>
             <a:r>
-              <a:rPr lang="en-US" dirty="0" smtClean="0"/>
+              <a:rPr lang="en-US" dirty="0"/>
               <a:t>Nothing is done until you review it!</a:t>
             </a:r>
           </a:p>
           <a:p>
             <a:r>
-              <a:rPr lang="en-US" dirty="0" smtClean="0"/>
+              <a:rPr lang="en-US" dirty="0"/>
               <a:t>Before you move on, look at your data definition and ask the following questions</a:t>
             </a:r>
-            <a:endParaRPr lang="en-US" dirty="0"/>
           </a:p>
         </p:txBody>
       </p:sp>
@@ -5198,13 +5049,6 @@
   <p:clrMapOvr>
     <a:masterClrMapping/>
   </p:clrMapOvr>
-  <p:timing>
-    <p:tnLst>
-      <p:par>
-        <p:cTn id="1" dur="indefinite" restart="never" nodeType="tmRoot"/>
-      </p:par>
-    </p:tnLst>
-  </p:timing>
 </p:sld>
 </file>
 
@@ -5241,10 +5085,9 @@
           <a:lstStyle/>
           <a:p>
             <a:r>
-              <a:rPr lang="en-US" dirty="0" smtClean="0"/>
+              <a:rPr lang="en-US" dirty="0"/>
               <a:t>Reviewing a Data Design</a:t>
             </a:r>
-            <a:endParaRPr lang="en-US" dirty="0"/>
           </a:p>
         </p:txBody>
       </p:sp>
@@ -5274,7 +5117,13 @@
                 <a:tableStyleId>{5C22544A-7EE6-4342-B048-85BDC9FD1C3A}</a:tableStyleId>
               </a:tblPr>
               <a:tblGrid>
-                <a:gridCol w="8229600"/>
+                <a:gridCol w="8229600">
+                  <a:extLst>
+                    <a:ext uri="{9D8B030D-6E8A-4147-A177-3AD203B41FA5}">
+                      <a16:colId xmlns:a16="http://schemas.microsoft.com/office/drawing/2014/main" val="20000"/>
+                    </a:ext>
+                  </a:extLst>
+                </a:gridCol>
               </a:tblGrid>
               <a:tr h="370840">
                 <a:tc>
@@ -5284,14 +5133,18 @@
                     <a:p>
                       <a:pPr algn="ctr"/>
                       <a:r>
-                        <a:rPr lang="en-US" sz="3200" dirty="0" smtClean="0"/>
+                        <a:rPr lang="en-US" sz="3200" dirty="0"/>
                         <a:t>Reviewing a Data Design</a:t>
                       </a:r>
-                      <a:endParaRPr lang="en-US" sz="3200" dirty="0"/>
                     </a:p>
                   </a:txBody>
                   <a:tcPr/>
                 </a:tc>
+                <a:extLst>
+                  <a:ext uri="{0D108BD9-81ED-4DB2-BD59-A6C34878D82A}">
+                    <a16:rowId xmlns:a16="http://schemas.microsoft.com/office/drawing/2014/main" val="10000"/>
+                  </a:ext>
+                </a:extLst>
               </a:tr>
               <a:tr h="370840">
                 <a:tc>
@@ -5300,14 +5153,18 @@
                     <a:lstStyle/>
                     <a:p>
                       <a:r>
-                        <a:rPr lang="en-US" sz="3200" dirty="0" smtClean="0"/>
+                        <a:rPr lang="en-US" sz="3200" dirty="0"/>
                         <a:t>1. Is the interpretation clear and unambiguous?</a:t>
                       </a:r>
-                      <a:endParaRPr lang="en-US" sz="3200" dirty="0"/>
                     </a:p>
                   </a:txBody>
                   <a:tcPr/>
                 </a:tc>
+                <a:extLst>
+                  <a:ext uri="{0D108BD9-81ED-4DB2-BD59-A6C34878D82A}">
+                    <a16:rowId xmlns:a16="http://schemas.microsoft.com/office/drawing/2014/main" val="10001"/>
+                  </a:ext>
+                </a:extLst>
               </a:tr>
               <a:tr h="370840">
                 <a:tc>
@@ -5316,14 +5173,18 @@
                     <a:lstStyle/>
                     <a:p>
                       <a:r>
-                        <a:rPr lang="en-US" sz="3200" dirty="0" smtClean="0"/>
+                        <a:rPr lang="en-US" sz="3200" dirty="0"/>
                         <a:t>2. Can you represent all the information you need for your program?</a:t>
                       </a:r>
-                      <a:endParaRPr lang="en-US" sz="3200" dirty="0"/>
                     </a:p>
                   </a:txBody>
                   <a:tcPr/>
                 </a:tc>
+                <a:extLst>
+                  <a:ext uri="{0D108BD9-81ED-4DB2-BD59-A6C34878D82A}">
+                    <a16:rowId xmlns:a16="http://schemas.microsoft.com/office/drawing/2014/main" val="10002"/>
+                  </a:ext>
+                </a:extLst>
               </a:tr>
               <a:tr h="370840">
                 <a:tc>
@@ -5332,19 +5193,19 @@
                     <a:lstStyle/>
                     <a:p>
                       <a:r>
-                        <a:rPr lang="en-US" sz="3200" dirty="0" smtClean="0"/>
+                        <a:rPr lang="en-US" sz="3200" dirty="0"/>
                         <a:t>3. Do</a:t>
                       </a:r>
                       <a:r>
-                        <a:rPr lang="en-US" sz="3200" baseline="0" dirty="0" smtClean="0"/>
+                        <a:rPr lang="en-US" sz="3200" baseline="0" dirty="0"/>
                         <a:t> you </a:t>
                       </a:r>
                       <a:r>
-                        <a:rPr lang="en-US" sz="3200" i="1" baseline="0" dirty="0" smtClean="0"/>
+                        <a:rPr lang="en-US" sz="3200" i="1" baseline="0" dirty="0"/>
                         <a:t>need</a:t>
                       </a:r>
                       <a:r>
-                        <a:rPr lang="en-US" sz="3200" baseline="0" dirty="0" smtClean="0"/>
+                        <a:rPr lang="en-US" sz="3200" baseline="0" dirty="0"/>
                         <a:t> all of the data in your representation?</a:t>
                       </a:r>
                       <a:endParaRPr lang="en-US" sz="3200" dirty="0"/>
@@ -5352,6 +5213,11 @@
                   </a:txBody>
                   <a:tcPr/>
                 </a:tc>
+                <a:extLst>
+                  <a:ext uri="{0D108BD9-81ED-4DB2-BD59-A6C34878D82A}">
+                    <a16:rowId xmlns:a16="http://schemas.microsoft.com/office/drawing/2014/main" val="10003"/>
+                  </a:ext>
+                </a:extLst>
               </a:tr>
               <a:tr h="370840">
                 <a:tc>
@@ -5360,11 +5226,11 @@
                     <a:lstStyle/>
                     <a:p>
                       <a:r>
-                        <a:rPr lang="en-US" sz="3200" dirty="0" smtClean="0"/>
+                        <a:rPr lang="en-US" sz="3200" dirty="0"/>
                         <a:t>4.</a:t>
                       </a:r>
                       <a:r>
-                        <a:rPr lang="en-US" sz="3200" baseline="0" dirty="0" smtClean="0"/>
+                        <a:rPr lang="en-US" sz="3200" baseline="0" dirty="0"/>
                         <a:t> Does every combination of values make sense? If not, document the meaningful combinations with a WHERE clause.</a:t>
                       </a:r>
                       <a:endParaRPr lang="en-US" sz="3200" dirty="0"/>
@@ -5372,6 +5238,11 @@
                   </a:txBody>
                   <a:tcPr/>
                 </a:tc>
+                <a:extLst>
+                  <a:ext uri="{0D108BD9-81ED-4DB2-BD59-A6C34878D82A}">
+                    <a16:rowId xmlns:a16="http://schemas.microsoft.com/office/drawing/2014/main" val="10004"/>
+                  </a:ext>
+                </a:extLst>
               </a:tr>
             </a:tbl>
           </a:graphicData>
@@ -5411,13 +5282,6 @@
   <p:clrMapOvr>
     <a:masterClrMapping/>
   </p:clrMapOvr>
-  <p:timing>
-    <p:tnLst>
-      <p:par>
-        <p:cTn id="1" dur="indefinite" restart="never" nodeType="tmRoot"/>
-      </p:par>
-    </p:tnLst>
-  </p:timing>
 </p:sld>
 </file>
 
@@ -5454,10 +5318,9 @@
           <a:lstStyle/>
           <a:p>
             <a:r>
-              <a:rPr lang="en-US" dirty="0" smtClean="0"/>
+              <a:rPr lang="en-US" dirty="0"/>
               <a:t>Next Steps</a:t>
             </a:r>
-            <a:endParaRPr lang="en-US" dirty="0"/>
           </a:p>
         </p:txBody>
       </p:sp>
@@ -5477,20 +5340,19 @@
           <a:lstStyle/>
           <a:p>
             <a:r>
-              <a:rPr lang="en-US" smtClean="0"/>
+              <a:rPr lang="en-US"/>
               <a:t>If </a:t>
             </a:r>
             <a:r>
-              <a:rPr lang="en-US" dirty="0" smtClean="0"/>
+              <a:rPr lang="en-US" dirty="0"/>
               <a:t>you have questions about this lesson, ask them on the Discussion Board</a:t>
             </a:r>
           </a:p>
           <a:p>
             <a:r>
-              <a:rPr lang="en-US" dirty="0" smtClean="0"/>
+              <a:rPr lang="en-US" dirty="0"/>
               <a:t>Go on to the next lesson</a:t>
             </a:r>
-            <a:endParaRPr lang="en-US" dirty="0"/>
           </a:p>
         </p:txBody>
       </p:sp>
@@ -5527,13 +5389,6 @@
   <p:clrMapOvr>
     <a:masterClrMapping/>
   </p:clrMapOvr>
-  <p:timing>
-    <p:tnLst>
-      <p:par>
-        <p:cTn id="1" dur="indefinite" restart="never" nodeType="tmRoot"/>
-      </p:par>
-    </p:tnLst>
-  </p:timing>
 </p:sld>
 </file>
 
